--- a/project-presentation.pptx
+++ b/project-presentation.pptx
@@ -11619,8 +11619,8 @@
           </a:p>
         </p:txBody>
       </p:sp>
-      <mc:AlternateContent xmlns:mc="http://schemas.openxmlformats.org/markup-compatibility/2006">
-        <mc:Choice xmlns:a14="http://schemas.microsoft.com/office/drawing/2010/main" Requires="a14">
+      <mc:AlternateContent xmlns:mc="http://schemas.openxmlformats.org/markup-compatibility/2006" xmlns:a14="http://schemas.microsoft.com/office/drawing/2010/main">
+        <mc:Choice Requires="a14">
           <p:sp>
             <p:nvSpPr>
               <p:cNvPr id="3" name="מציין מיקום תוכן 2">
@@ -12136,7 +12136,7 @@
             </p:txBody>
           </p:sp>
         </mc:Choice>
-        <mc:Fallback>
+        <mc:Fallback xmlns="">
           <p:sp>
             <p:nvSpPr>
               <p:cNvPr id="3" name="מציין מיקום תוכן 2">
@@ -12454,8 +12454,8 @@
           </a:p>
         </p:txBody>
       </p:sp>
-      <mc:AlternateContent xmlns:mc="http://schemas.openxmlformats.org/markup-compatibility/2006">
-        <mc:Choice xmlns:a14="http://schemas.microsoft.com/office/drawing/2010/main" Requires="a14">
+      <mc:AlternateContent xmlns:mc="http://schemas.openxmlformats.org/markup-compatibility/2006" xmlns:a14="http://schemas.microsoft.com/office/drawing/2010/main">
+        <mc:Choice Requires="a14">
           <p:sp>
             <p:nvSpPr>
               <p:cNvPr id="3" name="מציין מיקום תוכן 2">
@@ -13444,7 +13444,7 @@
             </p:txBody>
           </p:sp>
         </mc:Choice>
-        <mc:Fallback>
+        <mc:Fallback xmlns="">
           <p:sp>
             <p:nvSpPr>
               <p:cNvPr id="3" name="מציין מיקום תוכן 2">
@@ -13606,8 +13606,8 @@
           </a:p>
         </p:txBody>
       </p:sp>
-      <mc:AlternateContent xmlns:mc="http://schemas.openxmlformats.org/markup-compatibility/2006">
-        <mc:Choice xmlns:a14="http://schemas.microsoft.com/office/drawing/2010/main" Requires="a14">
+      <mc:AlternateContent xmlns:mc="http://schemas.openxmlformats.org/markup-compatibility/2006" xmlns:a14="http://schemas.microsoft.com/office/drawing/2010/main">
+        <mc:Choice Requires="a14">
           <p:sp>
             <p:nvSpPr>
               <p:cNvPr id="3" name="מציין מיקום תוכן 2">
@@ -14778,7 +14778,7 @@
             </p:txBody>
           </p:sp>
         </mc:Choice>
-        <mc:Fallback>
+        <mc:Fallback xmlns="">
           <p:sp>
             <p:nvSpPr>
               <p:cNvPr id="3" name="מציין מיקום תוכן 2">
@@ -15701,8 +15701,8 @@
           </a:p>
         </p:txBody>
       </p:sp>
-      <mc:AlternateContent xmlns:mc="http://schemas.openxmlformats.org/markup-compatibility/2006">
-        <mc:Choice xmlns:a14="http://schemas.microsoft.com/office/drawing/2010/main" Requires="a14">
+      <mc:AlternateContent xmlns:mc="http://schemas.openxmlformats.org/markup-compatibility/2006" xmlns:a14="http://schemas.microsoft.com/office/drawing/2010/main">
+        <mc:Choice Requires="a14">
           <p:sp>
             <p:nvSpPr>
               <p:cNvPr id="3" name="מציין מיקום תוכן 2">
@@ -16817,7 +16817,7 @@
             </p:txBody>
           </p:sp>
         </mc:Choice>
-        <mc:Fallback>
+        <mc:Fallback xmlns="">
           <p:sp>
             <p:nvSpPr>
               <p:cNvPr id="3" name="מציין מיקום תוכן 2">
@@ -38790,8 +38790,8 @@
           </a:p>
         </p:txBody>
       </p:sp>
-      <mc:AlternateContent xmlns:mc="http://schemas.openxmlformats.org/markup-compatibility/2006">
-        <mc:Choice xmlns:a14="http://schemas.microsoft.com/office/drawing/2010/main" Requires="a14">
+      <mc:AlternateContent xmlns:mc="http://schemas.openxmlformats.org/markup-compatibility/2006" xmlns:a14="http://schemas.microsoft.com/office/drawing/2010/main">
+        <mc:Choice Requires="a14">
           <p:sp>
             <p:nvSpPr>
               <p:cNvPr id="3" name="מציין מיקום תוכן 2">
@@ -39293,7 +39293,7 @@
             </p:txBody>
           </p:sp>
         </mc:Choice>
-        <mc:Fallback>
+        <mc:Fallback xmlns="">
           <p:sp>
             <p:nvSpPr>
               <p:cNvPr id="3" name="מציין מיקום תוכן 2">
@@ -39553,10 +39553,10 @@
               </a:lnSpc>
             </a:pPr>
             <a:r>
-              <a:rPr lang="en-US" sz="2800" b="1"/>
-              <a:t>ADDITIONAL WORK – PARAMETRIZATION – first reaserch</a:t>
+              <a:rPr lang="en-US" sz="2800" b="1" dirty="0"/>
+              <a:t>ADDITIONAL WORK – PARAMETRIZATION – first research</a:t>
             </a:r>
-            <a:endParaRPr lang="he-IL" sz="2800"/>
+            <a:endParaRPr lang="he-IL" sz="2800" dirty="0"/>
           </a:p>
         </p:txBody>
       </p:sp>
@@ -39618,8 +39618,8 @@
           </a:fontRef>
         </p:style>
       </p:sp>
-      <mc:AlternateContent xmlns:mc="http://schemas.openxmlformats.org/markup-compatibility/2006">
-        <mc:Choice xmlns:a14="http://schemas.microsoft.com/office/drawing/2010/main" Requires="a14">
+      <mc:AlternateContent xmlns:mc="http://schemas.openxmlformats.org/markup-compatibility/2006" xmlns:a14="http://schemas.microsoft.com/office/drawing/2010/main">
+        <mc:Choice Requires="a14">
           <p:sp>
             <p:nvSpPr>
               <p:cNvPr id="3" name="מציין מיקום תוכן 2">
@@ -39676,7 +39676,9 @@
                 <a14:m>
                   <m:oMath xmlns:m="http://schemas.openxmlformats.org/officeDocument/2006/math">
                     <m:r>
-                      <a:rPr lang="en-US" i="1"/>
+                      <a:rPr lang="en-US" i="1">
+                        <a:latin typeface="Cambria Math" panose="02040503050406030204" pitchFamily="18" charset="0"/>
+                      </a:rPr>
                       <m:t>𝜎</m:t>
                     </m:r>
                   </m:oMath>
@@ -39720,7 +39722,9 @@
                 <a14:m>
                   <m:oMath xmlns:m="http://schemas.openxmlformats.org/officeDocument/2006/math">
                     <m:r>
-                      <a:rPr lang="en-US" i="1"/>
+                      <a:rPr lang="en-US" i="1">
+                        <a:latin typeface="Cambria Math" panose="02040503050406030204" pitchFamily="18" charset="0"/>
+                      </a:rPr>
                       <m:t>𝛼</m:t>
                     </m:r>
                   </m:oMath>
@@ -39734,7 +39738,7 @@
             </p:txBody>
           </p:sp>
         </mc:Choice>
-        <mc:Fallback>
+        <mc:Fallback xmlns="">
           <p:sp>
             <p:nvSpPr>
               <p:cNvPr id="3" name="מציין מיקום תוכן 2">
@@ -40815,8 +40819,8 @@
           </a:p>
         </p:txBody>
       </p:sp>
-      <mc:AlternateContent xmlns:mc="http://schemas.openxmlformats.org/markup-compatibility/2006">
-        <mc:Choice xmlns:a14="http://schemas.microsoft.com/office/drawing/2010/main" Requires="a14">
+      <mc:AlternateContent xmlns:mc="http://schemas.openxmlformats.org/markup-compatibility/2006" xmlns:a14="http://schemas.microsoft.com/office/drawing/2010/main">
+        <mc:Choice Requires="a14">
           <p:sp>
             <p:nvSpPr>
               <p:cNvPr id="3" name="מציין מיקום תוכן 2">
@@ -40917,7 +40921,7 @@
             </p:txBody>
           </p:sp>
         </mc:Choice>
-        <mc:Fallback>
+        <mc:Fallback xmlns="">
           <p:sp>
             <p:nvSpPr>
               <p:cNvPr id="3" name="מציין מיקום תוכן 2">

--- a/project-presentation.pptx
+++ b/project-presentation.pptx
@@ -5,10 +5,10 @@
     <p:sldMasterId id="2147483668" r:id="rId1"/>
   </p:sldMasterIdLst>
   <p:notesMasterIdLst>
-    <p:notesMasterId r:id="rId30"/>
+    <p:notesMasterId r:id="rId31"/>
   </p:notesMasterIdLst>
   <p:handoutMasterIdLst>
-    <p:handoutMasterId r:id="rId31"/>
+    <p:handoutMasterId r:id="rId32"/>
   </p:handoutMasterIdLst>
   <p:sldIdLst>
     <p:sldId id="257" r:id="rId2"/>
@@ -36,9 +36,10 @@
     <p:sldId id="282" r:id="rId24"/>
     <p:sldId id="287" r:id="rId25"/>
     <p:sldId id="283" r:id="rId26"/>
-    <p:sldId id="284" r:id="rId27"/>
-    <p:sldId id="285" r:id="rId28"/>
-    <p:sldId id="286" r:id="rId29"/>
+    <p:sldId id="288" r:id="rId27"/>
+    <p:sldId id="284" r:id="rId28"/>
+    <p:sldId id="285" r:id="rId29"/>
+    <p:sldId id="286" r:id="rId30"/>
   </p:sldIdLst>
   <p:sldSz cx="12192000" cy="6858000"/>
   <p:notesSz cx="6858000" cy="9144000"/>
@@ -4536,7 +4537,7 @@
           <a:p>
             <a:fld id="{273F3F4E-E353-4C81-BFE7-DA1AA7DC4297}" type="datetimeFigureOut">
               <a:rPr lang="he-IL" smtClean="0"/>
-              <a:t>ח'/אייר/תש"פ</a:t>
+              <a:t>י"ב/אייר/תש"פ</a:t>
             </a:fld>
             <a:endParaRPr lang="he-IL"/>
           </a:p>
@@ -4718,7 +4719,7 @@
           <a:p>
             <a:fld id="{9FBBF96D-AFE1-42B5-A22C-46117F2573AC}" type="datetimeFigureOut">
               <a:rPr lang="he-IL" smtClean="0"/>
-              <a:t>ח'/אייר/תש"פ</a:t>
+              <a:t>י"ב/אייר/תש"פ</a:t>
             </a:fld>
             <a:endParaRPr lang="he-IL"/>
           </a:p>
@@ -5710,7 +5711,7 @@
           <a:p>
             <a:fld id="{91BD6653-DFE5-4AF7-810C-CEE37E11E6DC}" type="datetime1">
               <a:rPr lang="en-US" smtClean="0"/>
-              <a:t>5/2/2020</a:t>
+              <a:t>5/6/2020</a:t>
             </a:fld>
             <a:endParaRPr lang="en-US" dirty="0"/>
           </a:p>
@@ -5966,7 +5967,7 @@
           <a:p>
             <a:fld id="{59B32808-6316-4DF5-84BB-F85401F6E023}" type="datetime1">
               <a:rPr lang="en-US" smtClean="0"/>
-              <a:t>5/2/2020</a:t>
+              <a:t>5/6/2020</a:t>
             </a:fld>
             <a:endParaRPr lang="en-US" dirty="0"/>
           </a:p>
@@ -6285,7 +6286,7 @@
           <a:p>
             <a:fld id="{C99C2143-B12A-4D3F-9DAF-6FC56B7AA162}" type="datetime1">
               <a:rPr lang="en-US" smtClean="0"/>
-              <a:t>5/2/2020</a:t>
+              <a:t>5/6/2020</a:t>
             </a:fld>
             <a:endParaRPr lang="en-US" dirty="0"/>
           </a:p>
@@ -6617,7 +6618,7 @@
           <a:p>
             <a:fld id="{D13F27F6-ECA7-48AF-A857-8034E77B05A7}" type="datetime1">
               <a:rPr lang="en-US" smtClean="0"/>
-              <a:t>5/2/2020</a:t>
+              <a:t>5/6/2020</a:t>
             </a:fld>
             <a:endParaRPr lang="en-US" dirty="0"/>
           </a:p>
@@ -6936,7 +6937,7 @@
           <a:p>
             <a:fld id="{63C60301-3BEE-4641-A053-983A79708BF9}" type="datetime1">
               <a:rPr lang="en-US" smtClean="0"/>
-              <a:t>5/2/2020</a:t>
+              <a:t>5/6/2020</a:t>
             </a:fld>
             <a:endParaRPr lang="en-US" dirty="0"/>
           </a:p>
@@ -7328,7 +7329,7 @@
           <a:p>
             <a:fld id="{AF237287-75D4-4FB6-8DDE-4ECC6AA01FC4}" type="datetime1">
               <a:rPr lang="en-US" smtClean="0"/>
-              <a:t>5/2/2020</a:t>
+              <a:t>5/6/2020</a:t>
             </a:fld>
             <a:endParaRPr lang="en-US" dirty="0"/>
           </a:p>
@@ -7503,7 +7504,7 @@
           <a:p>
             <a:fld id="{3682B54C-5E80-44BD-9CB8-558201980F17}" type="datetime1">
               <a:rPr lang="en-US" smtClean="0"/>
-              <a:t>5/2/2020</a:t>
+              <a:t>5/6/2020</a:t>
             </a:fld>
             <a:endParaRPr lang="en-US" dirty="0"/>
           </a:p>
@@ -7687,7 +7688,7 @@
           <a:p>
             <a:fld id="{FDCA2607-29D6-4322-B2A3-3331372F3C57}" type="datetime1">
               <a:rPr lang="en-US" smtClean="0"/>
-              <a:t>5/2/2020</a:t>
+              <a:t>5/6/2020</a:t>
             </a:fld>
             <a:endParaRPr lang="en-US" dirty="0"/>
           </a:p>
@@ -7868,7 +7869,7 @@
           <a:p>
             <a:fld id="{45207A52-AD67-4117-88DA-FF9203676754}" type="datetime1">
               <a:rPr lang="en-US" smtClean="0"/>
-              <a:t>5/2/2020</a:t>
+              <a:t>5/6/2020</a:t>
             </a:fld>
             <a:endParaRPr lang="en-US" dirty="0"/>
           </a:p>
@@ -8120,7 +8121,7 @@
           <a:p>
             <a:fld id="{F5949B5A-6C08-4EAD-8C8C-115A3836B2AB}" type="datetime1">
               <a:rPr lang="en-US" smtClean="0"/>
-              <a:t>5/2/2020</a:t>
+              <a:t>5/6/2020</a:t>
             </a:fld>
             <a:endParaRPr lang="en-US" dirty="0"/>
           </a:p>
@@ -8357,7 +8358,7 @@
           <a:p>
             <a:fld id="{8570C3EF-38E2-4463-BFDE-4ADEF62EF1F6}" type="datetime1">
               <a:rPr lang="en-US" smtClean="0"/>
-              <a:t>5/2/2020</a:t>
+              <a:t>5/6/2020</a:t>
             </a:fld>
             <a:endParaRPr lang="en-US" dirty="0"/>
           </a:p>
@@ -8735,7 +8736,7 @@
           <a:p>
             <a:fld id="{4CEF0B94-C5D0-4D5C-99E2-F440BE509AFA}" type="datetime1">
               <a:rPr lang="en-US" smtClean="0"/>
-              <a:t>5/2/2020</a:t>
+              <a:t>5/6/2020</a:t>
             </a:fld>
             <a:endParaRPr lang="en-US" dirty="0"/>
           </a:p>
@@ -8863,7 +8864,7 @@
           <a:p>
             <a:fld id="{F332A4DF-C94C-41F2-A8DF-D9213994DCFF}" type="datetime1">
               <a:rPr lang="en-US" smtClean="0"/>
-              <a:t>5/2/2020</a:t>
+              <a:t>5/6/2020</a:t>
             </a:fld>
             <a:endParaRPr lang="en-US" dirty="0"/>
           </a:p>
@@ -8963,7 +8964,7 @@
           <a:p>
             <a:fld id="{C2604532-88A1-4D13-BC35-48D36F31BDAF}" type="datetime1">
               <a:rPr lang="en-US" smtClean="0"/>
-              <a:t>5/2/2020</a:t>
+              <a:t>5/6/2020</a:t>
             </a:fld>
             <a:endParaRPr lang="en-US" dirty="0"/>
           </a:p>
@@ -9223,7 +9224,7 @@
           <a:p>
             <a:fld id="{7CFB95AE-0611-4CB9-950C-21E52732E314}" type="datetime1">
               <a:rPr lang="en-US" smtClean="0"/>
-              <a:t>5/2/2020</a:t>
+              <a:t>5/6/2020</a:t>
             </a:fld>
             <a:endParaRPr lang="en-US" dirty="0"/>
           </a:p>
@@ -9490,7 +9491,7 @@
           <a:p>
             <a:fld id="{8C0445F1-8A59-4556-8342-905D3B4A43DE}" type="datetime1">
               <a:rPr lang="en-US" smtClean="0"/>
-              <a:t>5/2/2020</a:t>
+              <a:t>5/6/2020</a:t>
             </a:fld>
             <a:endParaRPr lang="en-US" dirty="0"/>
           </a:p>
@@ -10240,7 +10241,7 @@
           <a:p>
             <a:fld id="{6F5F1DBB-1B81-423C-8F15-0946EFA2AAD8}" type="datetime1">
               <a:rPr lang="en-US" smtClean="0"/>
-              <a:t>5/2/2020</a:t>
+              <a:t>5/6/2020</a:t>
             </a:fld>
             <a:endParaRPr lang="en-US" dirty="0"/>
           </a:p>
@@ -40771,6 +40772,873 @@
 <file path=ppt/slides/slide26.xml><?xml version="1.0" encoding="utf-8"?>
 <p:sld xmlns:a="http://schemas.openxmlformats.org/drawingml/2006/main" xmlns:r="http://schemas.openxmlformats.org/officeDocument/2006/relationships" xmlns:p="http://schemas.openxmlformats.org/presentationml/2006/main">
   <p:cSld>
+    <p:bg>
+      <p:bgPr>
+        <a:solidFill>
+          <a:schemeClr val="bg1"/>
+        </a:solidFill>
+        <a:effectLst/>
+      </p:bgPr>
+    </p:bg>
+    <p:spTree>
+      <p:nvGrpSpPr>
+        <p:cNvPr id="1" name=""/>
+        <p:cNvGrpSpPr/>
+        <p:nvPr/>
+      </p:nvGrpSpPr>
+      <p:grpSpPr>
+        <a:xfrm>
+          <a:off x="0" y="0"/>
+          <a:ext cx="0" cy="0"/>
+          <a:chOff x="0" y="0"/>
+          <a:chExt cx="0" cy="0"/>
+        </a:xfrm>
+      </p:grpSpPr>
+      <p:sp useBgFill="1">
+        <p:nvSpPr>
+          <p:cNvPr id="11" name="Rectangle 10">
+            <a:extLst>
+              <a:ext uri="{FF2B5EF4-FFF2-40B4-BE49-F238E27FC236}">
+                <a16:creationId xmlns:a16="http://schemas.microsoft.com/office/drawing/2014/main" id="{9F4444CE-BC8D-4D61-B303-4C05614E62AB}"/>
+              </a:ext>
+              <a:ext uri="{C183D7F6-B498-43B3-948B-1728B52AA6E4}">
+                <adec:decorative xmlns:adec="http://schemas.microsoft.com/office/drawing/2017/decorative" val="1"/>
+              </a:ext>
+            </a:extLst>
+          </p:cNvPr>
+          <p:cNvSpPr>
+            <a:spLocks noGrp="1" noRot="1" noChangeAspect="1" noMove="1" noResize="1" noEditPoints="1" noAdjustHandles="1" noChangeArrowheads="1" noChangeShapeType="1" noTextEdit="1"/>
+          </p:cNvSpPr>
+          <p:nvPr>
+            <p:extLst>
+              <p:ext uri="{386F3935-93C4-4BCD-93E2-E3B085C9AB24}">
+                <p16:designElem xmlns:p16="http://schemas.microsoft.com/office/powerpoint/2015/main" val="1"/>
+              </p:ext>
+            </p:extLst>
+          </p:nvPr>
+        </p:nvSpPr>
+        <p:spPr>
+          <a:xfrm>
+            <a:off x="0" y="0"/>
+            <a:ext cx="12192000" cy="6858000"/>
+          </a:xfrm>
+          <a:prstGeom prst="rect">
+            <a:avLst/>
+          </a:prstGeom>
+          <a:ln>
+            <a:noFill/>
+          </a:ln>
+        </p:spPr>
+        <p:style>
+          <a:lnRef idx="2">
+            <a:schemeClr val="accent1">
+              <a:shade val="50000"/>
+            </a:schemeClr>
+          </a:lnRef>
+          <a:fillRef idx="1">
+            <a:schemeClr val="accent1"/>
+          </a:fillRef>
+          <a:effectRef idx="0">
+            <a:schemeClr val="accent1"/>
+          </a:effectRef>
+          <a:fontRef idx="minor">
+            <a:schemeClr val="lt1"/>
+          </a:fontRef>
+        </p:style>
+        <p:txBody>
+          <a:bodyPr rtlCol="0" anchor="ctr"/>
+          <a:lstStyle/>
+          <a:p>
+            <a:pPr algn="ctr"/>
+            <a:endParaRPr lang="en-US"/>
+          </a:p>
+        </p:txBody>
+      </p:sp>
+      <p:sp>
+        <p:nvSpPr>
+          <p:cNvPr id="13" name="Rectangle 12">
+            <a:extLst>
+              <a:ext uri="{FF2B5EF4-FFF2-40B4-BE49-F238E27FC236}">
+                <a16:creationId xmlns:a16="http://schemas.microsoft.com/office/drawing/2014/main" id="{62423CA5-E2E1-4789-B759-9906C1C94063}"/>
+              </a:ext>
+              <a:ext uri="{C183D7F6-B498-43B3-948B-1728B52AA6E4}">
+                <adec:decorative xmlns:adec="http://schemas.microsoft.com/office/drawing/2017/decorative" val="1"/>
+              </a:ext>
+            </a:extLst>
+          </p:cNvPr>
+          <p:cNvSpPr>
+            <a:spLocks noGrp="1" noRot="1" noChangeAspect="1" noMove="1" noResize="1" noEditPoints="1" noAdjustHandles="1" noChangeArrowheads="1" noChangeShapeType="1" noTextEdit="1"/>
+          </p:cNvSpPr>
+          <p:nvPr>
+            <p:extLst>
+              <p:ext uri="{386F3935-93C4-4BCD-93E2-E3B085C9AB24}">
+                <p16:designElem xmlns:p16="http://schemas.microsoft.com/office/powerpoint/2015/main" val="1"/>
+              </p:ext>
+            </p:extLst>
+          </p:nvPr>
+        </p:nvSpPr>
+        <p:spPr>
+          <a:xfrm>
+            <a:off x="0" y="-3"/>
+            <a:ext cx="4660126" cy="6858000"/>
+          </a:xfrm>
+          <a:prstGeom prst="rect">
+            <a:avLst/>
+          </a:prstGeom>
+          <a:solidFill>
+            <a:schemeClr val="tx2"/>
+          </a:solidFill>
+          <a:ln>
+            <a:noFill/>
+          </a:ln>
+          <a:effectLst/>
+        </p:spPr>
+        <p:style>
+          <a:lnRef idx="1">
+            <a:schemeClr val="accent1"/>
+          </a:lnRef>
+          <a:fillRef idx="3">
+            <a:schemeClr val="accent1"/>
+          </a:fillRef>
+          <a:effectRef idx="2">
+            <a:schemeClr val="accent1"/>
+          </a:effectRef>
+          <a:fontRef idx="minor">
+            <a:schemeClr val="lt1"/>
+          </a:fontRef>
+        </p:style>
+        <p:txBody>
+          <a:bodyPr/>
+          <a:lstStyle/>
+          <a:p>
+            <a:endParaRPr lang="en-US"/>
+          </a:p>
+        </p:txBody>
+      </p:sp>
+      <p:sp>
+        <p:nvSpPr>
+          <p:cNvPr id="15" name="Isosceles Triangle 14">
+            <a:extLst>
+              <a:ext uri="{FF2B5EF4-FFF2-40B4-BE49-F238E27FC236}">
+                <a16:creationId xmlns:a16="http://schemas.microsoft.com/office/drawing/2014/main" id="{73772B81-181F-48B7-8826-4D9686D15DF5}"/>
+              </a:ext>
+              <a:ext uri="{C183D7F6-B498-43B3-948B-1728B52AA6E4}">
+                <adec:decorative xmlns:adec="http://schemas.microsoft.com/office/drawing/2017/decorative" val="1"/>
+              </a:ext>
+            </a:extLst>
+          </p:cNvPr>
+          <p:cNvSpPr>
+            <a:spLocks noGrp="1" noRot="1" noChangeAspect="1" noMove="1" noResize="1" noEditPoints="1" noAdjustHandles="1" noChangeArrowheads="1" noChangeShapeType="1" noTextEdit="1"/>
+          </p:cNvSpPr>
+          <p:nvPr>
+            <p:extLst>
+              <p:ext uri="{386F3935-93C4-4BCD-93E2-E3B085C9AB24}">
+                <p16:designElem xmlns:p16="http://schemas.microsoft.com/office/powerpoint/2015/main" val="1"/>
+              </p:ext>
+            </p:extLst>
+          </p:nvPr>
+        </p:nvSpPr>
+        <p:spPr>
+          <a:xfrm rot="10800000">
+            <a:off x="4660127" y="-3"/>
+            <a:ext cx="1056745" cy="6858001"/>
+          </a:xfrm>
+          <a:prstGeom prst="triangle">
+            <a:avLst>
+              <a:gd name="adj" fmla="val 100000"/>
+            </a:avLst>
+          </a:prstGeom>
+          <a:solidFill>
+            <a:schemeClr val="tx2"/>
+          </a:solidFill>
+          <a:ln>
+            <a:noFill/>
+          </a:ln>
+          <a:effectLst/>
+        </p:spPr>
+        <p:style>
+          <a:lnRef idx="1">
+            <a:schemeClr val="accent1"/>
+          </a:lnRef>
+          <a:fillRef idx="3">
+            <a:schemeClr val="accent1"/>
+          </a:fillRef>
+          <a:effectRef idx="2">
+            <a:schemeClr val="accent1"/>
+          </a:effectRef>
+          <a:fontRef idx="minor">
+            <a:schemeClr val="lt1"/>
+          </a:fontRef>
+        </p:style>
+        <p:txBody>
+          <a:bodyPr/>
+          <a:lstStyle/>
+          <a:p>
+            <a:endParaRPr lang="en-US" dirty="0"/>
+          </a:p>
+        </p:txBody>
+      </p:sp>
+      <mc:AlternateContent xmlns:mc="http://schemas.openxmlformats.org/markup-compatibility/2006">
+        <mc:Choice xmlns:a14="http://schemas.microsoft.com/office/drawing/2010/main" Requires="a14">
+          <p:sp>
+            <p:nvSpPr>
+              <p:cNvPr id="2" name="כותרת 1">
+                <a:extLst>
+                  <a:ext uri="{FF2B5EF4-FFF2-40B4-BE49-F238E27FC236}">
+                    <a16:creationId xmlns:a16="http://schemas.microsoft.com/office/drawing/2014/main" id="{FB62545E-8151-4F09-9928-86CBB006DD2E}"/>
+                  </a:ext>
+                </a:extLst>
+              </p:cNvPr>
+              <p:cNvSpPr>
+                <a:spLocks noGrp="1"/>
+              </p:cNvSpPr>
+              <p:nvPr>
+                <p:ph type="title"/>
+              </p:nvPr>
+            </p:nvSpPr>
+            <p:spPr>
+              <a:xfrm>
+                <a:off x="673754" y="643467"/>
+                <a:ext cx="4203045" cy="1375608"/>
+              </a:xfrm>
+            </p:spPr>
+            <p:txBody>
+              <a:bodyPr anchor="ctr">
+                <a:normAutofit/>
+              </a:bodyPr>
+              <a:lstStyle/>
+              <a:p>
+                <a:pPr>
+                  <a:lnSpc>
+                    <a:spcPct val="90000"/>
+                  </a:lnSpc>
+                </a:pPr>
+                <a:r>
+                  <a:rPr lang="en-US" sz="2300" b="1" dirty="0">
+                    <a:solidFill>
+                      <a:schemeClr val="accent1"/>
+                    </a:solidFill>
+                  </a:rPr>
+                  <a:t>ADDITIONAL WORK – PARAMETRIZATION – correlation between </a:t>
+                </a:r>
+                <a14:m>
+                  <m:oMath xmlns:m="http://schemas.openxmlformats.org/officeDocument/2006/math">
+                    <m:r>
+                      <a:rPr lang="en-US" sz="2300" i="1">
+                        <a:solidFill>
+                          <a:schemeClr val="accent1"/>
+                        </a:solidFill>
+                        <a:latin typeface="Cambria Math" panose="02040503050406030204" pitchFamily="18" charset="0"/>
+                      </a:rPr>
+                      <m:t>𝜎</m:t>
+                    </m:r>
+                  </m:oMath>
+                </a14:m>
+                <a:r>
+                  <a:rPr lang="en-US" sz="2300" dirty="0">
+                    <a:solidFill>
+                      <a:schemeClr val="accent1"/>
+                    </a:solidFill>
+                  </a:rPr>
+                  <a:t> and </a:t>
+                </a:r>
+                <a14:m>
+                  <m:oMath xmlns:m="http://schemas.openxmlformats.org/officeDocument/2006/math">
+                    <m:r>
+                      <a:rPr lang="en-US" sz="2300" i="1">
+                        <a:solidFill>
+                          <a:schemeClr val="accent1"/>
+                        </a:solidFill>
+                        <a:latin typeface="Cambria Math" panose="02040503050406030204" pitchFamily="18" charset="0"/>
+                      </a:rPr>
+                      <m:t>𝛼</m:t>
+                    </m:r>
+                  </m:oMath>
+                </a14:m>
+                <a:endParaRPr lang="he-IL" sz="2300" dirty="0">
+                  <a:solidFill>
+                    <a:schemeClr val="accent1"/>
+                  </a:solidFill>
+                </a:endParaRPr>
+              </a:p>
+            </p:txBody>
+          </p:sp>
+        </mc:Choice>
+        <mc:Fallback>
+          <p:sp>
+            <p:nvSpPr>
+              <p:cNvPr id="2" name="כותרת 1">
+                <a:extLst>
+                  <a:ext uri="{FF2B5EF4-FFF2-40B4-BE49-F238E27FC236}">
+                    <a16:creationId xmlns:a16="http://schemas.microsoft.com/office/drawing/2014/main" id="{FB62545E-8151-4F09-9928-86CBB006DD2E}"/>
+                  </a:ext>
+                </a:extLst>
+              </p:cNvPr>
+              <p:cNvSpPr>
+                <a:spLocks noGrp="1" noRot="1" noChangeAspect="1" noMove="1" noResize="1" noEditPoints="1" noAdjustHandles="1" noChangeArrowheads="1" noChangeShapeType="1" noTextEdit="1"/>
+              </p:cNvSpPr>
+              <p:nvPr>
+                <p:ph type="title"/>
+              </p:nvPr>
+            </p:nvSpPr>
+            <p:spPr>
+              <a:xfrm>
+                <a:off x="673754" y="643467"/>
+                <a:ext cx="4203045" cy="1375608"/>
+              </a:xfrm>
+              <a:blipFill>
+                <a:blip r:embed="rId2"/>
+                <a:stretch>
+                  <a:fillRect l="-2032"/>
+                </a:stretch>
+              </a:blipFill>
+            </p:spPr>
+            <p:txBody>
+              <a:bodyPr/>
+              <a:lstStyle/>
+              <a:p>
+                <a:r>
+                  <a:rPr lang="he-IL">
+                    <a:noFill/>
+                  </a:rPr>
+                  <a:t> </a:t>
+                </a:r>
+              </a:p>
+            </p:txBody>
+          </p:sp>
+        </mc:Fallback>
+      </mc:AlternateContent>
+      <mc:AlternateContent xmlns:mc="http://schemas.openxmlformats.org/markup-compatibility/2006">
+        <mc:Choice xmlns:a14="http://schemas.microsoft.com/office/drawing/2010/main" Requires="a14">
+          <p:sp>
+            <p:nvSpPr>
+              <p:cNvPr id="3" name="מציין מיקום תוכן 2">
+                <a:extLst>
+                  <a:ext uri="{FF2B5EF4-FFF2-40B4-BE49-F238E27FC236}">
+                    <a16:creationId xmlns:a16="http://schemas.microsoft.com/office/drawing/2014/main" id="{DADB2708-C086-4FFA-8ECA-21CD432A73F2}"/>
+                  </a:ext>
+                </a:extLst>
+              </p:cNvPr>
+              <p:cNvSpPr>
+                <a:spLocks noGrp="1"/>
+              </p:cNvSpPr>
+              <p:nvPr>
+                <p:ph idx="1"/>
+              </p:nvPr>
+            </p:nvSpPr>
+            <p:spPr>
+              <a:xfrm>
+                <a:off x="673753" y="2160589"/>
+                <a:ext cx="4469749" cy="4053943"/>
+              </a:xfrm>
+            </p:spPr>
+            <p:txBody>
+              <a:bodyPr>
+                <a:normAutofit/>
+              </a:bodyPr>
+              <a:lstStyle/>
+              <a:p>
+                <a:pPr marL="0" indent="0" algn="l" rtl="0">
+                  <a:buNone/>
+                </a:pPr>
+                <a:r>
+                  <a:rPr lang="en-US" dirty="0">
+                    <a:solidFill>
+                      <a:schemeClr val="bg1"/>
+                    </a:solidFill>
+                  </a:rPr>
+                  <a:t>The above results are based on </a:t>
+                </a:r>
+                <a14:m>
+                  <m:oMath xmlns:m="http://schemas.openxmlformats.org/officeDocument/2006/math">
+                    <m:r>
+                      <a:rPr lang="en-US" i="1">
+                        <a:solidFill>
+                          <a:schemeClr val="bg1"/>
+                        </a:solidFill>
+                        <a:latin typeface="Cambria Math" panose="02040503050406030204" pitchFamily="18" charset="0"/>
+                      </a:rPr>
+                      <m:t>𝜎</m:t>
+                    </m:r>
+                  </m:oMath>
+                </a14:m>
+                <a:r>
+                  <a:rPr lang="en-US" dirty="0">
+                    <a:solidFill>
+                      <a:schemeClr val="bg1"/>
+                    </a:solidFill>
+                  </a:rPr>
+                  <a:t>=</a:t>
+                </a:r>
+                <a:r>
+                  <a:rPr lang="en-US" i="1" dirty="0">
+                    <a:solidFill>
+                      <a:schemeClr val="bg1"/>
+                    </a:solidFill>
+                  </a:rPr>
+                  <a:t> 20 which gives us the best improvement at </a:t>
+                </a:r>
+                <a14:m>
+                  <m:oMath xmlns:m="http://schemas.openxmlformats.org/officeDocument/2006/math">
+                    <m:r>
+                      <a:rPr lang="en-US" i="1">
+                        <a:solidFill>
+                          <a:schemeClr val="bg1"/>
+                        </a:solidFill>
+                        <a:latin typeface="Cambria Math" panose="02040503050406030204" pitchFamily="18" charset="0"/>
+                      </a:rPr>
+                      <m:t>𝛼</m:t>
+                    </m:r>
+                  </m:oMath>
+                </a14:m>
+                <a:r>
+                  <a:rPr lang="en-US" dirty="0">
+                    <a:solidFill>
+                      <a:schemeClr val="bg1"/>
+                    </a:solidFill>
+                  </a:rPr>
+                  <a:t>=0.8</a:t>
+                </a:r>
+                <a:r>
+                  <a:rPr lang="en-US" i="1" dirty="0">
+                    <a:solidFill>
+                      <a:schemeClr val="bg1"/>
+                    </a:solidFill>
+                  </a:rPr>
+                  <a:t>.</a:t>
+                </a:r>
+              </a:p>
+              <a:p>
+                <a:pPr marL="0" indent="0" algn="l" rtl="0">
+                  <a:buNone/>
+                </a:pPr>
+                <a:r>
+                  <a:rPr lang="en-US" dirty="0">
+                    <a:solidFill>
+                      <a:schemeClr val="bg1"/>
+                    </a:solidFill>
+                  </a:rPr>
+                  <a:t>In purpose to find out if this </a:t>
+                </a:r>
+                <a14:m>
+                  <m:oMath xmlns:m="http://schemas.openxmlformats.org/officeDocument/2006/math">
+                    <m:r>
+                      <a:rPr lang="en-US" i="1">
+                        <a:solidFill>
+                          <a:schemeClr val="bg1"/>
+                        </a:solidFill>
+                        <a:latin typeface="Cambria Math" panose="02040503050406030204" pitchFamily="18" charset="0"/>
+                      </a:rPr>
+                      <m:t>𝛼</m:t>
+                    </m:r>
+                  </m:oMath>
+                </a14:m>
+                <a:r>
+                  <a:rPr lang="en-US" dirty="0">
+                    <a:solidFill>
+                      <a:schemeClr val="bg1"/>
+                    </a:solidFill>
+                  </a:rPr>
+                  <a:t> works only for </a:t>
+                </a:r>
+                <a14:m>
+                  <m:oMath xmlns:m="http://schemas.openxmlformats.org/officeDocument/2006/math">
+                    <m:r>
+                      <a:rPr lang="en-US" i="1">
+                        <a:solidFill>
+                          <a:schemeClr val="bg1"/>
+                        </a:solidFill>
+                        <a:latin typeface="Cambria Math" panose="02040503050406030204" pitchFamily="18" charset="0"/>
+                      </a:rPr>
+                      <m:t>𝜎</m:t>
+                    </m:r>
+                  </m:oMath>
+                </a14:m>
+                <a:r>
+                  <a:rPr lang="en-US" dirty="0">
+                    <a:solidFill>
+                      <a:schemeClr val="bg1"/>
+                    </a:solidFill>
+                  </a:rPr>
+                  <a:t>=</a:t>
+                </a:r>
+                <a:r>
+                  <a:rPr lang="en-US" i="1" dirty="0">
+                    <a:solidFill>
+                      <a:schemeClr val="bg1"/>
+                    </a:solidFill>
+                  </a:rPr>
+                  <a:t> 20 or isn’t much correlated to </a:t>
+                </a:r>
+                <a14:m>
+                  <m:oMath xmlns:m="http://schemas.openxmlformats.org/officeDocument/2006/math">
+                    <m:r>
+                      <a:rPr lang="en-US" i="1">
+                        <a:solidFill>
+                          <a:schemeClr val="bg1"/>
+                        </a:solidFill>
+                        <a:latin typeface="Cambria Math" panose="02040503050406030204" pitchFamily="18" charset="0"/>
+                      </a:rPr>
+                      <m:t>𝜎</m:t>
+                    </m:r>
+                    <m:r>
+                      <a:rPr lang="en-US" b="0" i="0" smtClean="0">
+                        <a:solidFill>
+                          <a:schemeClr val="bg1"/>
+                        </a:solidFill>
+                        <a:latin typeface="Cambria Math" panose="02040503050406030204" pitchFamily="18" charset="0"/>
+                      </a:rPr>
+                      <m:t>,</m:t>
+                    </m:r>
+                  </m:oMath>
+                </a14:m>
+                <a:r>
+                  <a:rPr lang="en-US" dirty="0">
+                    <a:solidFill>
+                      <a:schemeClr val="bg1"/>
+                    </a:solidFill>
+                  </a:rPr>
+                  <a:t> we run the same code for all 6 images and 3 different </a:t>
+                </a:r>
+                <a14:m>
+                  <m:oMath xmlns:m="http://schemas.openxmlformats.org/officeDocument/2006/math">
+                    <m:r>
+                      <a:rPr lang="en-US" i="1">
+                        <a:solidFill>
+                          <a:schemeClr val="bg1"/>
+                        </a:solidFill>
+                        <a:latin typeface="Cambria Math" panose="02040503050406030204" pitchFamily="18" charset="0"/>
+                      </a:rPr>
+                      <m:t>𝜎</m:t>
+                    </m:r>
+                  </m:oMath>
+                </a14:m>
+                <a:r>
+                  <a:rPr lang="en-US" dirty="0">
+                    <a:solidFill>
+                      <a:schemeClr val="bg1"/>
+                    </a:solidFill>
+                  </a:rPr>
+                  <a:t>.</a:t>
+                </a:r>
+              </a:p>
+              <a:p>
+                <a:pPr marL="0" indent="0" algn="l" rtl="0">
+                  <a:buNone/>
+                </a:pPr>
+                <a:r>
+                  <a:rPr lang="en-US" dirty="0">
+                    <a:solidFill>
+                      <a:schemeClr val="bg1"/>
+                    </a:solidFill>
+                  </a:rPr>
+                  <a:t>While for Fingerprint picture it’s seem correlated, we can see that this is not the case for the average case.</a:t>
+                </a:r>
+              </a:p>
+              <a:p>
+                <a:pPr marL="0" indent="0" algn="l" rtl="0">
+                  <a:buNone/>
+                </a:pPr>
+                <a:r>
+                  <a:rPr lang="en-US" dirty="0">
+                    <a:solidFill>
+                      <a:schemeClr val="bg1"/>
+                    </a:solidFill>
+                  </a:rPr>
+                  <a:t>This imply that </a:t>
+                </a:r>
+                <a14:m>
+                  <m:oMath xmlns:m="http://schemas.openxmlformats.org/officeDocument/2006/math">
+                    <m:r>
+                      <a:rPr lang="en-US" i="1">
+                        <a:solidFill>
+                          <a:schemeClr val="bg1"/>
+                        </a:solidFill>
+                        <a:latin typeface="Cambria Math" panose="02040503050406030204" pitchFamily="18" charset="0"/>
+                      </a:rPr>
+                      <m:t>𝛼</m:t>
+                    </m:r>
+                  </m:oMath>
+                </a14:m>
+                <a:r>
+                  <a:rPr lang="en-US" dirty="0">
+                    <a:solidFill>
+                      <a:schemeClr val="bg1"/>
+                    </a:solidFill>
+                  </a:rPr>
+                  <a:t> is mainly depends on the image textures.</a:t>
+                </a:r>
+                <a:endParaRPr lang="he-IL" dirty="0">
+                  <a:solidFill>
+                    <a:schemeClr val="bg1"/>
+                  </a:solidFill>
+                </a:endParaRPr>
+              </a:p>
+            </p:txBody>
+          </p:sp>
+        </mc:Choice>
+        <mc:Fallback>
+          <p:sp>
+            <p:nvSpPr>
+              <p:cNvPr id="3" name="מציין מיקום תוכן 2">
+                <a:extLst>
+                  <a:ext uri="{FF2B5EF4-FFF2-40B4-BE49-F238E27FC236}">
+                    <a16:creationId xmlns:a16="http://schemas.microsoft.com/office/drawing/2014/main" id="{DADB2708-C086-4FFA-8ECA-21CD432A73F2}"/>
+                  </a:ext>
+                </a:extLst>
+              </p:cNvPr>
+              <p:cNvSpPr>
+                <a:spLocks noGrp="1" noRot="1" noChangeAspect="1" noMove="1" noResize="1" noEditPoints="1" noAdjustHandles="1" noChangeArrowheads="1" noChangeShapeType="1" noTextEdit="1"/>
+              </p:cNvSpPr>
+              <p:nvPr>
+                <p:ph idx="1"/>
+              </p:nvPr>
+            </p:nvSpPr>
+            <p:spPr>
+              <a:xfrm>
+                <a:off x="673753" y="2160589"/>
+                <a:ext cx="4469749" cy="4053943"/>
+              </a:xfrm>
+              <a:blipFill>
+                <a:blip r:embed="rId3"/>
+                <a:stretch>
+                  <a:fillRect l="-1228" t="-902" r="-1774"/>
+                </a:stretch>
+              </a:blipFill>
+            </p:spPr>
+            <p:txBody>
+              <a:bodyPr/>
+              <a:lstStyle/>
+              <a:p>
+                <a:r>
+                  <a:rPr lang="he-IL">
+                    <a:noFill/>
+                  </a:rPr>
+                  <a:t> </a:t>
+                </a:r>
+              </a:p>
+            </p:txBody>
+          </p:sp>
+        </mc:Fallback>
+      </mc:AlternateContent>
+      <p:pic>
+        <p:nvPicPr>
+          <p:cNvPr id="6" name="תמונה 5" descr="תמונה שמכילה טקסט, מפה&#10;&#10;התיאור נוצר באופן אוטומטי">
+            <a:extLst>
+              <a:ext uri="{FF2B5EF4-FFF2-40B4-BE49-F238E27FC236}">
+                <a16:creationId xmlns:a16="http://schemas.microsoft.com/office/drawing/2014/main" id="{0813B05E-DB6B-4506-8A1B-FB3A8B343E92}"/>
+              </a:ext>
+            </a:extLst>
+          </p:cNvPr>
+          <p:cNvPicPr>
+            <a:picLocks noChangeAspect="1"/>
+          </p:cNvPicPr>
+          <p:nvPr/>
+        </p:nvPicPr>
+        <p:blipFill>
+          <a:blip r:embed="rId4"/>
+          <a:stretch>
+            <a:fillRect/>
+          </a:stretch>
+        </p:blipFill>
+        <p:spPr>
+          <a:xfrm>
+            <a:off x="6291121" y="972608"/>
+            <a:ext cx="4753260" cy="4900269"/>
+          </a:xfrm>
+          <a:prstGeom prst="rect">
+            <a:avLst/>
+          </a:prstGeom>
+        </p:spPr>
+      </p:pic>
+      <p:sp>
+        <p:nvSpPr>
+          <p:cNvPr id="4" name="מציין מיקום של כותרת תחתונה 3">
+            <a:extLst>
+              <a:ext uri="{FF2B5EF4-FFF2-40B4-BE49-F238E27FC236}">
+                <a16:creationId xmlns:a16="http://schemas.microsoft.com/office/drawing/2014/main" id="{05C9AD04-BAC1-41B3-B8D2-A9A5785E4779}"/>
+              </a:ext>
+            </a:extLst>
+          </p:cNvPr>
+          <p:cNvSpPr>
+            <a:spLocks noGrp="1"/>
+          </p:cNvSpPr>
+          <p:nvPr>
+            <p:ph type="ftr" sz="quarter" idx="11"/>
+          </p:nvPr>
+        </p:nvSpPr>
+        <p:spPr>
+          <a:xfrm>
+            <a:off x="5295899" y="6182876"/>
+            <a:ext cx="4598633" cy="365125"/>
+          </a:xfrm>
+        </p:spPr>
+        <p:txBody>
+          <a:bodyPr>
+            <a:normAutofit/>
+          </a:bodyPr>
+          <a:lstStyle/>
+          <a:p>
+            <a:pPr>
+              <a:spcAft>
+                <a:spcPts val="600"/>
+              </a:spcAft>
+            </a:pPr>
+            <a:r>
+              <a:rPr lang="en-US">
+                <a:solidFill>
+                  <a:schemeClr val="tx1">
+                    <a:lumMod val="65000"/>
+                    <a:lumOff val="35000"/>
+                  </a:schemeClr>
+                </a:solidFill>
+              </a:rPr>
+              <a:t>236862 Sparse and Redundant Representations by Prof. Michael Elad</a:t>
+            </a:r>
+          </a:p>
+        </p:txBody>
+      </p:sp>
+      <p:sp>
+        <p:nvSpPr>
+          <p:cNvPr id="5" name="מציין מיקום של מספר שקופית 4">
+            <a:extLst>
+              <a:ext uri="{FF2B5EF4-FFF2-40B4-BE49-F238E27FC236}">
+                <a16:creationId xmlns:a16="http://schemas.microsoft.com/office/drawing/2014/main" id="{3FC6782A-7FFC-4D67-ADC8-E45D1D6B865B}"/>
+              </a:ext>
+            </a:extLst>
+          </p:cNvPr>
+          <p:cNvSpPr>
+            <a:spLocks noGrp="1"/>
+          </p:cNvSpPr>
+          <p:nvPr>
+            <p:ph type="sldNum" sz="quarter" idx="12"/>
+          </p:nvPr>
+        </p:nvSpPr>
+        <p:spPr>
+          <a:xfrm>
+            <a:off x="10556161" y="6182876"/>
+            <a:ext cx="683339" cy="365125"/>
+          </a:xfrm>
+        </p:spPr>
+        <p:txBody>
+          <a:bodyPr>
+            <a:normAutofit/>
+          </a:bodyPr>
+          <a:lstStyle/>
+          <a:p>
+            <a:pPr>
+              <a:spcAft>
+                <a:spcPts val="600"/>
+              </a:spcAft>
+            </a:pPr>
+            <a:fld id="{D57F1E4F-1CFF-5643-939E-217C01CDF565}" type="slidenum">
+              <a:rPr lang="en-US">
+                <a:solidFill>
+                  <a:schemeClr val="tx1">
+                    <a:lumMod val="65000"/>
+                    <a:lumOff val="35000"/>
+                  </a:schemeClr>
+                </a:solidFill>
+              </a:rPr>
+              <a:pPr>
+                <a:spcAft>
+                  <a:spcPts val="600"/>
+                </a:spcAft>
+              </a:pPr>
+              <a:t>26</a:t>
+            </a:fld>
+            <a:endParaRPr lang="en-US">
+              <a:solidFill>
+                <a:schemeClr val="tx1">
+                  <a:lumMod val="65000"/>
+                  <a:lumOff val="35000"/>
+                </a:schemeClr>
+              </a:solidFill>
+            </a:endParaRPr>
+          </a:p>
+        </p:txBody>
+      </p:sp>
+      <p:sp>
+        <p:nvSpPr>
+          <p:cNvPr id="17" name="Isosceles Triangle 16">
+            <a:extLst>
+              <a:ext uri="{FF2B5EF4-FFF2-40B4-BE49-F238E27FC236}">
+                <a16:creationId xmlns:a16="http://schemas.microsoft.com/office/drawing/2014/main" id="{B2205F6E-03C6-4E92-877C-E2482F6599AA}"/>
+              </a:ext>
+              <a:ext uri="{C183D7F6-B498-43B3-948B-1728B52AA6E4}">
+                <adec:decorative xmlns:adec="http://schemas.microsoft.com/office/drawing/2017/decorative" val="1"/>
+              </a:ext>
+            </a:extLst>
+          </p:cNvPr>
+          <p:cNvSpPr>
+            <a:spLocks noGrp="1" noRot="1" noChangeAspect="1" noMove="1" noResize="1" noEditPoints="1" noAdjustHandles="1" noChangeArrowheads="1" noChangeShapeType="1" noTextEdit="1"/>
+          </p:cNvSpPr>
+          <p:nvPr>
+            <p:extLst>
+              <p:ext uri="{386F3935-93C4-4BCD-93E2-E3B085C9AB24}">
+                <p16:designElem xmlns:p16="http://schemas.microsoft.com/office/powerpoint/2015/main" val="1"/>
+              </p:ext>
+            </p:extLst>
+          </p:nvPr>
+        </p:nvSpPr>
+        <p:spPr>
+          <a:xfrm flipH="1">
+            <a:off x="11755696" y="4013200"/>
+            <a:ext cx="448733" cy="2844800"/>
+          </a:xfrm>
+          <a:prstGeom prst="triangle">
+            <a:avLst>
+              <a:gd name="adj" fmla="val 0"/>
+            </a:avLst>
+          </a:prstGeom>
+          <a:solidFill>
+            <a:schemeClr val="accent1">
+              <a:alpha val="85000"/>
+            </a:schemeClr>
+          </a:solidFill>
+          <a:ln>
+            <a:noFill/>
+          </a:ln>
+          <a:effectLst/>
+        </p:spPr>
+        <p:style>
+          <a:lnRef idx="1">
+            <a:schemeClr val="accent1"/>
+          </a:lnRef>
+          <a:fillRef idx="3">
+            <a:schemeClr val="accent1"/>
+          </a:fillRef>
+          <a:effectRef idx="2">
+            <a:schemeClr val="accent1"/>
+          </a:effectRef>
+          <a:fontRef idx="minor">
+            <a:schemeClr val="lt1"/>
+          </a:fontRef>
+        </p:style>
+        <p:txBody>
+          <a:bodyPr/>
+          <a:lstStyle/>
+          <a:p>
+            <a:endParaRPr lang="en-US" dirty="0"/>
+          </a:p>
+        </p:txBody>
+      </p:sp>
+    </p:spTree>
+    <p:extLst>
+      <p:ext uri="{BB962C8B-B14F-4D97-AF65-F5344CB8AC3E}">
+        <p14:creationId xmlns:p14="http://schemas.microsoft.com/office/powerpoint/2010/main" val="1247431635"/>
+      </p:ext>
+    </p:extLst>
+  </p:cSld>
+  <p:clrMapOvr>
+    <a:overrideClrMapping bg1="lt1" tx1="dk1" bg2="lt2" tx2="dk2" accent1="accent1" accent2="accent2" accent3="accent3" accent4="accent4" accent5="accent5" accent6="accent6" hlink="hlink" folHlink="folHlink"/>
+  </p:clrMapOvr>
+</p:sld>
+</file>
+
+<file path=ppt/slides/slide27.xml><?xml version="1.0" encoding="utf-8"?>
+<p:sld xmlns:a="http://schemas.openxmlformats.org/drawingml/2006/main" xmlns:r="http://schemas.openxmlformats.org/officeDocument/2006/relationships" xmlns:p="http://schemas.openxmlformats.org/presentationml/2006/main">
+  <p:cSld>
     <p:spTree>
       <p:nvGrpSpPr>
         <p:cNvPr id="1" name=""/>
@@ -41014,7 +41882,7 @@
             <a:fld id="{D57F1E4F-1CFF-5643-939E-217C01CDF565}" type="slidenum">
               <a:rPr lang="en-US" smtClean="0"/>
               <a:pPr/>
-              <a:t>26</a:t>
+              <a:t>27</a:t>
             </a:fld>
             <a:endParaRPr lang="en-US" dirty="0"/>
           </a:p>
@@ -41033,7 +41901,7 @@
 </p:sld>
 </file>
 
-<file path=ppt/slides/slide27.xml><?xml version="1.0" encoding="utf-8"?>
+<file path=ppt/slides/slide28.xml><?xml version="1.0" encoding="utf-8"?>
 <p:sld xmlns:a="http://schemas.openxmlformats.org/drawingml/2006/main" xmlns:r="http://schemas.openxmlformats.org/officeDocument/2006/relationships" xmlns:p="http://schemas.openxmlformats.org/presentationml/2006/main">
   <p:cSld>
     <p:spTree>
@@ -41314,7 +42182,7 @@
             <a:fld id="{D57F1E4F-1CFF-5643-939E-217C01CDF565}" type="slidenum">
               <a:rPr lang="en-US" smtClean="0"/>
               <a:pPr/>
-              <a:t>27</a:t>
+              <a:t>28</a:t>
             </a:fld>
             <a:endParaRPr lang="en-US" dirty="0"/>
           </a:p>
@@ -41333,7 +42201,7 @@
 </p:sld>
 </file>
 
-<file path=ppt/slides/slide28.xml><?xml version="1.0" encoding="utf-8"?>
+<file path=ppt/slides/slide29.xml><?xml version="1.0" encoding="utf-8"?>
 <p:sld xmlns:a="http://schemas.openxmlformats.org/drawingml/2006/main" xmlns:r="http://schemas.openxmlformats.org/officeDocument/2006/relationships" xmlns:p="http://schemas.openxmlformats.org/presentationml/2006/main">
   <p:cSld>
     <p:spTree>
@@ -41689,7 +42557,7 @@
             <a:fld id="{D57F1E4F-1CFF-5643-939E-217C01CDF565}" type="slidenum">
               <a:rPr lang="en-US" smtClean="0"/>
               <a:pPr/>
-              <a:t>28</a:t>
+              <a:t>29</a:t>
             </a:fld>
             <a:endParaRPr lang="en-US" dirty="0"/>
           </a:p>

--- a/project-presentation.pptx
+++ b/project-presentation.pptx
@@ -10883,13 +10883,13 @@
         </p:nvSpPr>
         <p:spPr>
           <a:xfrm>
-            <a:off x="677334" y="2999874"/>
-            <a:ext cx="8596668" cy="2085474"/>
+            <a:off x="677334" y="2910980"/>
+            <a:ext cx="8596668" cy="2223082"/>
           </a:xfrm>
         </p:spPr>
         <p:txBody>
           <a:bodyPr>
-            <a:normAutofit lnSpcReduction="10000"/>
+            <a:normAutofit fontScale="77500" lnSpcReduction="20000"/>
           </a:bodyPr>
           <a:lstStyle/>
           <a:p>
@@ -10909,6 +10909,31 @@
               <a:rPr lang="en-US" sz="3100" dirty="0"/>
               <a:t>Project in Sparse Representations in Signal and Image Processing – 236862 by Prof. Michael Elad </a:t>
             </a:r>
+          </a:p>
+          <a:p>
+            <a:pPr marL="0" indent="0" algn="l">
+              <a:buNone/>
+            </a:pPr>
+            <a:r>
+              <a:rPr lang="en-US" sz="3200" dirty="0">
+                <a:solidFill>
+                  <a:schemeClr val="accent3"/>
+                </a:solidFill>
+                <a:hlinkClick r:id="rId2">
+                  <a:extLst>
+                    <a:ext uri="{A12FA001-AC4F-418D-AE19-62706E023703}">
+                      <ahyp:hlinkClr xmlns:ahyp="http://schemas.microsoft.com/office/drawing/2018/hyperlinkcolor" val="tx"/>
+                    </a:ext>
+                  </a:extLst>
+                </a:hlinkClick>
+              </a:rPr>
+              <a:t>https://github.com/neryah/PATCH-DISAGREEMENT-AS-A-WAY-TO-IMPROVE-K-SVD-DENOISING-implementation-and-improvement</a:t>
+            </a:r>
+            <a:endParaRPr lang="he-IL" sz="3200" dirty="0">
+              <a:solidFill>
+                <a:schemeClr val="accent3"/>
+              </a:solidFill>
+            </a:endParaRPr>
           </a:p>
           <a:p>
             <a:pPr algn="l"/>
@@ -22625,8 +22650,8 @@
           </a:p>
         </p:txBody>
       </p:sp>
-      <mc:AlternateContent xmlns:mc="http://schemas.openxmlformats.org/markup-compatibility/2006">
-        <mc:Choice xmlns:a14="http://schemas.microsoft.com/office/drawing/2010/main" Requires="a14">
+      <mc:AlternateContent xmlns:mc="http://schemas.openxmlformats.org/markup-compatibility/2006" xmlns:a14="http://schemas.microsoft.com/office/drawing/2010/main">
+        <mc:Choice Requires="a14">
           <p:sp>
             <p:nvSpPr>
               <p:cNvPr id="12" name="Content Placeholder 11">
@@ -22790,7 +22815,7 @@
             </p:txBody>
           </p:sp>
         </mc:Choice>
-        <mc:Fallback>
+        <mc:Fallback xmlns="">
           <p:sp>
             <p:nvSpPr>
               <p:cNvPr id="12" name="Content Placeholder 11">
@@ -26258,14 +26283,18 @@
             </a:r>
             <a:r>
               <a:rPr lang="en-US" dirty="0"/>
-              <a:t>future directions</a:t>
+              <a:t>future directions and </a:t>
+            </a:r>
+            <a:r>
+              <a:rPr lang="en-US" dirty="0" err="1"/>
+              <a:t>url</a:t>
             </a:r>
             <a:endParaRPr lang="he-IL" dirty="0"/>
           </a:p>
         </p:txBody>
       </p:sp>
-      <mc:AlternateContent xmlns:mc="http://schemas.openxmlformats.org/markup-compatibility/2006" xmlns:a14="http://schemas.microsoft.com/office/drawing/2010/main">
-        <mc:Choice Requires="a14">
+      <mc:AlternateContent xmlns:mc="http://schemas.openxmlformats.org/markup-compatibility/2006">
+        <mc:Choice xmlns:a14="http://schemas.microsoft.com/office/drawing/2010/main" Requires="a14">
           <p:sp>
             <p:nvSpPr>
               <p:cNvPr id="3" name="מציין מיקום תוכן 2">
@@ -26397,12 +26426,43 @@
                 <a:pPr marL="0" indent="0" algn="l" rtl="0">
                   <a:buNone/>
                 </a:pPr>
+                <a:endParaRPr lang="en-US" dirty="0"/>
+              </a:p>
+              <a:p>
+                <a:pPr marL="0" indent="0" algn="l" rtl="0">
+                  <a:buNone/>
+                </a:pPr>
+                <a:r>
+                  <a:rPr lang="en-US" sz="2000" dirty="0">
+                    <a:solidFill>
+                      <a:srgbClr val="FFC000"/>
+                    </a:solidFill>
+                  </a:rPr>
+                  <a:t>All the work is on the next URL:</a:t>
+                </a:r>
+              </a:p>
+              <a:p>
+                <a:pPr marL="0" indent="0" algn="l" rtl="0">
+                  <a:buNone/>
+                </a:pPr>
+                <a:r>
+                  <a:rPr lang="en-US" sz="2000" dirty="0">
+                    <a:hlinkClick r:id="rId2"/>
+                  </a:rPr>
+                  <a:t>https://github.com/neryah/PATCH-DISAGREEMENT-AS-A-WAY-TO-IMPROVE-K-SVD-DENOISING-implementation-and-improvement</a:t>
+                </a:r>
+                <a:endParaRPr lang="he-IL" sz="2000" dirty="0"/>
+              </a:p>
+              <a:p>
+                <a:pPr marL="0" indent="0" algn="l" rtl="0">
+                  <a:buNone/>
+                </a:pPr>
                 <a:endParaRPr lang="he-IL" dirty="0"/>
               </a:p>
             </p:txBody>
           </p:sp>
         </mc:Choice>
-        <mc:Fallback xmlns="">
+        <mc:Fallback>
           <p:sp>
             <p:nvSpPr>
               <p:cNvPr id="3" name="מציין מיקום תוכן 2">
@@ -26421,9 +26481,9 @@
             </p:nvSpPr>
             <p:spPr>
               <a:blipFill>
-                <a:blip r:embed="rId2"/>
+                <a:blip r:embed="rId3"/>
                 <a:stretch>
-                  <a:fillRect l="-567" t="-942"/>
+                  <a:fillRect l="-709" t="-942" b="-4553"/>
                 </a:stretch>
               </a:blipFill>
             </p:spPr>
